--- a/_doc/spot360_biz.pptx
+++ b/_doc/spot360_biz.pptx
@@ -240,7 +240,7 @@
           <a:p>
             <a:fld id="{DF5EBC0C-BAC4-40C7-823E-57B7555327A0}" type="datetimeFigureOut">
               <a:rPr lang="ko-KR" altLang="en-US" smtClean="0"/>
-              <a:t>2016-08-21</a:t>
+              <a:t>2016-08-29</a:t>
             </a:fld>
             <a:endParaRPr lang="ko-KR" altLang="en-US"/>
           </a:p>
@@ -410,7 +410,7 @@
           <a:p>
             <a:fld id="{DF5EBC0C-BAC4-40C7-823E-57B7555327A0}" type="datetimeFigureOut">
               <a:rPr lang="ko-KR" altLang="en-US" smtClean="0"/>
-              <a:t>2016-08-21</a:t>
+              <a:t>2016-08-29</a:t>
             </a:fld>
             <a:endParaRPr lang="ko-KR" altLang="en-US"/>
           </a:p>
@@ -590,7 +590,7 @@
           <a:p>
             <a:fld id="{DF5EBC0C-BAC4-40C7-823E-57B7555327A0}" type="datetimeFigureOut">
               <a:rPr lang="ko-KR" altLang="en-US" smtClean="0"/>
-              <a:t>2016-08-21</a:t>
+              <a:t>2016-08-29</a:t>
             </a:fld>
             <a:endParaRPr lang="ko-KR" altLang="en-US"/>
           </a:p>
@@ -760,7 +760,7 @@
           <a:p>
             <a:fld id="{DF5EBC0C-BAC4-40C7-823E-57B7555327A0}" type="datetimeFigureOut">
               <a:rPr lang="ko-KR" altLang="en-US" smtClean="0"/>
-              <a:t>2016-08-21</a:t>
+              <a:t>2016-08-29</a:t>
             </a:fld>
             <a:endParaRPr lang="ko-KR" altLang="en-US"/>
           </a:p>
@@ -1006,7 +1006,7 @@
           <a:p>
             <a:fld id="{DF5EBC0C-BAC4-40C7-823E-57B7555327A0}" type="datetimeFigureOut">
               <a:rPr lang="ko-KR" altLang="en-US" smtClean="0"/>
-              <a:t>2016-08-21</a:t>
+              <a:t>2016-08-29</a:t>
             </a:fld>
             <a:endParaRPr lang="ko-KR" altLang="en-US"/>
           </a:p>
@@ -1238,7 +1238,7 @@
           <a:p>
             <a:fld id="{DF5EBC0C-BAC4-40C7-823E-57B7555327A0}" type="datetimeFigureOut">
               <a:rPr lang="ko-KR" altLang="en-US" smtClean="0"/>
-              <a:t>2016-08-21</a:t>
+              <a:t>2016-08-29</a:t>
             </a:fld>
             <a:endParaRPr lang="ko-KR" altLang="en-US"/>
           </a:p>
@@ -1605,7 +1605,7 @@
           <a:p>
             <a:fld id="{DF5EBC0C-BAC4-40C7-823E-57B7555327A0}" type="datetimeFigureOut">
               <a:rPr lang="ko-KR" altLang="en-US" smtClean="0"/>
-              <a:t>2016-08-21</a:t>
+              <a:t>2016-08-29</a:t>
             </a:fld>
             <a:endParaRPr lang="ko-KR" altLang="en-US"/>
           </a:p>
@@ -1723,7 +1723,7 @@
           <a:p>
             <a:fld id="{DF5EBC0C-BAC4-40C7-823E-57B7555327A0}" type="datetimeFigureOut">
               <a:rPr lang="ko-KR" altLang="en-US" smtClean="0"/>
-              <a:t>2016-08-21</a:t>
+              <a:t>2016-08-29</a:t>
             </a:fld>
             <a:endParaRPr lang="ko-KR" altLang="en-US"/>
           </a:p>
@@ -1818,7 +1818,7 @@
           <a:p>
             <a:fld id="{DF5EBC0C-BAC4-40C7-823E-57B7555327A0}" type="datetimeFigureOut">
               <a:rPr lang="ko-KR" altLang="en-US" smtClean="0"/>
-              <a:t>2016-08-21</a:t>
+              <a:t>2016-08-29</a:t>
             </a:fld>
             <a:endParaRPr lang="ko-KR" altLang="en-US"/>
           </a:p>
@@ -2095,7 +2095,7 @@
           <a:p>
             <a:fld id="{DF5EBC0C-BAC4-40C7-823E-57B7555327A0}" type="datetimeFigureOut">
               <a:rPr lang="ko-KR" altLang="en-US" smtClean="0"/>
-              <a:t>2016-08-21</a:t>
+              <a:t>2016-08-29</a:t>
             </a:fld>
             <a:endParaRPr lang="ko-KR" altLang="en-US"/>
           </a:p>
@@ -2348,7 +2348,7 @@
           <a:p>
             <a:fld id="{DF5EBC0C-BAC4-40C7-823E-57B7555327A0}" type="datetimeFigureOut">
               <a:rPr lang="ko-KR" altLang="en-US" smtClean="0"/>
-              <a:t>2016-08-21</a:t>
+              <a:t>2016-08-29</a:t>
             </a:fld>
             <a:endParaRPr lang="ko-KR" altLang="en-US"/>
           </a:p>
@@ -2561,7 +2561,7 @@
           <a:p>
             <a:fld id="{DF5EBC0C-BAC4-40C7-823E-57B7555327A0}" type="datetimeFigureOut">
               <a:rPr lang="ko-KR" altLang="en-US" smtClean="0"/>
-              <a:t>2016-08-21</a:t>
+              <a:t>2016-08-29</a:t>
             </a:fld>
             <a:endParaRPr lang="ko-KR" altLang="en-US"/>
           </a:p>
@@ -3081,7 +3081,7 @@
         <p:spPr>
           <a:xfrm>
             <a:off x="701911" y="490002"/>
-            <a:ext cx="10771632" cy="4247317"/>
+            <a:ext cx="10771632" cy="4524315"/>
           </a:xfrm>
           <a:prstGeom prst="rect">
             <a:avLst/>
@@ -3095,6 +3095,12 @@
           <a:lstStyle/>
           <a:p>
             <a:endParaRPr lang="en-US" altLang="ko-KR" dirty="0"/>
+          </a:p>
+          <a:p>
+            <a:r>
+              <a:rPr lang="en-US" altLang="ko-KR" smtClean="0"/>
+              <a:t>Intro</a:t>
+            </a:r>
           </a:p>
           <a:p>
             <a:r>
@@ -3349,11 +3355,7 @@
           <a:p>
             <a:r>
               <a:rPr lang="ko-KR" altLang="en-US" dirty="0" smtClean="0"/>
-              <a:t>이미지</a:t>
-            </a:r>
-            <a:r>
-              <a:rPr lang="ko-KR" altLang="en-US" dirty="0" smtClean="0"/>
-              <a:t> </a:t>
+              <a:t>이미지 </a:t>
             </a:r>
             <a:r>
               <a:rPr lang="en-US" altLang="ko-KR" dirty="0" smtClean="0"/>
@@ -3437,11 +3439,7 @@
           <a:p>
             <a:r>
               <a:rPr lang="ko-KR" altLang="en-US" dirty="0" smtClean="0"/>
-              <a:t>이미지</a:t>
-            </a:r>
-            <a:r>
-              <a:rPr lang="ko-KR" altLang="en-US" dirty="0" smtClean="0"/>
-              <a:t> </a:t>
+              <a:t>이미지 </a:t>
             </a:r>
             <a:r>
               <a:rPr lang="en-US" altLang="ko-KR" dirty="0" smtClean="0"/>
@@ -3489,11 +3487,7 @@
           <a:p>
             <a:r>
               <a:rPr lang="ko-KR" altLang="en-US" dirty="0" smtClean="0"/>
-              <a:t>이미지</a:t>
-            </a:r>
-            <a:r>
-              <a:rPr lang="ko-KR" altLang="en-US" dirty="0" smtClean="0"/>
-              <a:t> </a:t>
+              <a:t>이미지 </a:t>
             </a:r>
             <a:r>
               <a:rPr lang="en-US" altLang="ko-KR" dirty="0" smtClean="0"/>
@@ -3563,7 +3557,7 @@
     </a:clrScheme>
     <a:fontScheme name="Office">
       <a:majorFont>
-        <a:latin typeface="맑은 고딕" panose="020F0302020204030204"/>
+        <a:latin typeface="맑은 고딕"/>
         <a:ea typeface=""/>
         <a:cs typeface=""/>
         <a:font script="Jpan" typeface="ＭＳ Ｐゴシック"/>
@@ -3598,7 +3592,7 @@
         <a:font script="Geor" typeface="Sylfaen"/>
       </a:majorFont>
       <a:minorFont>
-        <a:latin typeface="맑은 고딕" panose="020F0502020204030204"/>
+        <a:latin typeface="맑은 고딕"/>
         <a:ea typeface=""/>
         <a:cs typeface=""/>
         <a:font script="Jpan" typeface="ＭＳ Ｐゴシック"/>
@@ -3775,7 +3769,7 @@
   <a:extraClrSchemeLst/>
   <a:extLst>
     <a:ext uri="{05A4C25C-085E-4340-85A3-A5531E510DB2}">
-      <thm15:themeFamily xmlns:thm15="http://schemas.microsoft.com/office/thememl/2012/main" name="Office Theme" id="{62F939B6-93AF-4DB8-9C6B-D6C7DFDC589F}" vid="{4A3C46E8-61CC-4603-A589-7422A47A8E4A}"/>
+      <thm15:themeFamily xmlns:thm15="http://schemas.microsoft.com/office/thememl/2012/main" xmlns="" name="Office Theme" id="{62F939B6-93AF-4DB8-9C6B-D6C7DFDC589F}" vid="{4A3C46E8-61CC-4603-A589-7422A47A8E4A}"/>
     </a:ext>
   </a:extLst>
 </a:theme>
